--- a/android layouts.pptx
+++ b/android layouts.pptx
@@ -269,7 +269,7 @@
           <a:p>
             <a:fld id="{D997B5FA-0921-464F-AAE1-844C04324D75}" type="datetimeFigureOut">
               <a:rPr lang="zh-CN" altLang="en-US" smtClean="0"/>
-              <a:t>2020/10/12</a:t>
+              <a:t>2020/10/13</a:t>
             </a:fld>
             <a:endParaRPr lang="zh-CN" altLang="en-US"/>
           </a:p>
@@ -432,7 +432,7 @@
           <a:p>
             <a:fld id="{D997B5FA-0921-464F-AAE1-844C04324D75}" type="datetimeFigureOut">
               <a:rPr lang="zh-CN" altLang="en-US" smtClean="0"/>
-              <a:t>2020/10/12</a:t>
+              <a:t>2020/10/13</a:t>
             </a:fld>
             <a:endParaRPr lang="zh-CN" altLang="en-US"/>
           </a:p>
@@ -605,7 +605,7 @@
           <a:p>
             <a:fld id="{D997B5FA-0921-464F-AAE1-844C04324D75}" type="datetimeFigureOut">
               <a:rPr lang="zh-CN" altLang="en-US" smtClean="0"/>
-              <a:t>2020/10/12</a:t>
+              <a:t>2020/10/13</a:t>
             </a:fld>
             <a:endParaRPr lang="zh-CN" altLang="en-US"/>
           </a:p>
@@ -768,7 +768,7 @@
           <a:p>
             <a:fld id="{D997B5FA-0921-464F-AAE1-844C04324D75}" type="datetimeFigureOut">
               <a:rPr lang="zh-CN" altLang="en-US" smtClean="0"/>
-              <a:t>2020/10/12</a:t>
+              <a:t>2020/10/13</a:t>
             </a:fld>
             <a:endParaRPr lang="zh-CN" altLang="en-US"/>
           </a:p>
@@ -1008,7 +1008,7 @@
           <a:p>
             <a:fld id="{D997B5FA-0921-464F-AAE1-844C04324D75}" type="datetimeFigureOut">
               <a:rPr lang="zh-CN" altLang="en-US" smtClean="0"/>
-              <a:t>2020/10/12</a:t>
+              <a:t>2020/10/13</a:t>
             </a:fld>
             <a:endParaRPr lang="zh-CN" altLang="en-US"/>
           </a:p>
@@ -1232,7 +1232,7 @@
           <a:p>
             <a:fld id="{D997B5FA-0921-464F-AAE1-844C04324D75}" type="datetimeFigureOut">
               <a:rPr lang="zh-CN" altLang="en-US" smtClean="0"/>
-              <a:t>2020/10/12</a:t>
+              <a:t>2020/10/13</a:t>
             </a:fld>
             <a:endParaRPr lang="zh-CN" altLang="en-US"/>
           </a:p>
@@ -1591,7 +1591,7 @@
           <a:p>
             <a:fld id="{D997B5FA-0921-464F-AAE1-844C04324D75}" type="datetimeFigureOut">
               <a:rPr lang="zh-CN" altLang="en-US" smtClean="0"/>
-              <a:t>2020/10/12</a:t>
+              <a:t>2020/10/13</a:t>
             </a:fld>
             <a:endParaRPr lang="zh-CN" altLang="en-US"/>
           </a:p>
@@ -1703,7 +1703,7 @@
           <a:p>
             <a:fld id="{D997B5FA-0921-464F-AAE1-844C04324D75}" type="datetimeFigureOut">
               <a:rPr lang="zh-CN" altLang="en-US" smtClean="0"/>
-              <a:t>2020/10/12</a:t>
+              <a:t>2020/10/13</a:t>
             </a:fld>
             <a:endParaRPr lang="zh-CN" altLang="en-US"/>
           </a:p>
@@ -1793,7 +1793,7 @@
           <a:p>
             <a:fld id="{D997B5FA-0921-464F-AAE1-844C04324D75}" type="datetimeFigureOut">
               <a:rPr lang="zh-CN" altLang="en-US" smtClean="0"/>
-              <a:t>2020/10/12</a:t>
+              <a:t>2020/10/13</a:t>
             </a:fld>
             <a:endParaRPr lang="zh-CN" altLang="en-US"/>
           </a:p>
@@ -2063,7 +2063,7 @@
           <a:p>
             <a:fld id="{D997B5FA-0921-464F-AAE1-844C04324D75}" type="datetimeFigureOut">
               <a:rPr lang="zh-CN" altLang="en-US" smtClean="0"/>
-              <a:t>2020/10/12</a:t>
+              <a:t>2020/10/13</a:t>
             </a:fld>
             <a:endParaRPr lang="zh-CN" altLang="en-US"/>
           </a:p>
@@ -2310,7 +2310,7 @@
           <a:p>
             <a:fld id="{D997B5FA-0921-464F-AAE1-844C04324D75}" type="datetimeFigureOut">
               <a:rPr lang="zh-CN" altLang="en-US" smtClean="0"/>
-              <a:t>2020/10/12</a:t>
+              <a:t>2020/10/13</a:t>
             </a:fld>
             <a:endParaRPr lang="zh-CN" altLang="en-US"/>
           </a:p>
@@ -2516,7 +2516,7 @@
           <a:p>
             <a:fld id="{D997B5FA-0921-464F-AAE1-844C04324D75}" type="datetimeFigureOut">
               <a:rPr lang="zh-CN" altLang="en-US" smtClean="0"/>
-              <a:t>2020/10/12</a:t>
+              <a:t>2020/10/13</a:t>
             </a:fld>
             <a:endParaRPr lang="zh-CN" altLang="en-US"/>
           </a:p>
@@ -5499,7 +5499,7 @@
         </p:nvSpPr>
         <p:spPr>
           <a:xfrm>
-            <a:off x="1225514" y="1666999"/>
+            <a:off x="7475312" y="1549495"/>
             <a:ext cx="3633132" cy="482061"/>
           </a:xfrm>
         </p:spPr>
@@ -5558,7 +5558,7 @@
         </p:blipFill>
         <p:spPr>
           <a:xfrm>
-            <a:off x="368208" y="2255765"/>
+            <a:off x="6458616" y="2147115"/>
             <a:ext cx="5347745" cy="3806869"/>
           </a:xfrm>
           <a:prstGeom prst="rect">
@@ -5566,48 +5566,12 @@
           </a:prstGeom>
         </p:spPr>
       </p:pic>
-      <p:pic>
-        <p:nvPicPr>
-          <p:cNvPr id="7" name="图片 6">
+      <p:sp>
+        <p:nvSpPr>
+          <p:cNvPr id="6" name="内容占位符 2">
             <a:extLst>
               <a:ext uri="{FF2B5EF4-FFF2-40B4-BE49-F238E27FC236}">
-                <a16:creationId xmlns:a16="http://schemas.microsoft.com/office/drawing/2014/main" id="{E51F0B8B-8E3F-45DD-A930-998AE3003C01}"/>
-              </a:ext>
-            </a:extLst>
-          </p:cNvPr>
-          <p:cNvPicPr>
-            <a:picLocks noChangeAspect="1"/>
-          </p:cNvPicPr>
-          <p:nvPr/>
-        </p:nvPicPr>
-        <p:blipFill>
-          <a:blip r:embed="rId3">
-            <a:extLst>
-              <a:ext uri="{28A0092B-C50C-407E-A947-70E740481C1C}">
-                <a14:useLocalDpi xmlns:a14="http://schemas.microsoft.com/office/drawing/2010/main" val="0"/>
-              </a:ext>
-            </a:extLst>
-          </a:blip>
-          <a:stretch>
-            <a:fillRect/>
-          </a:stretch>
-        </p:blipFill>
-        <p:spPr>
-          <a:xfrm>
-            <a:off x="5852719" y="3989730"/>
-            <a:ext cx="6252775" cy="1780403"/>
-          </a:xfrm>
-          <a:prstGeom prst="rect">
-            <a:avLst/>
-          </a:prstGeom>
-        </p:spPr>
-      </p:pic>
-      <p:sp>
-        <p:nvSpPr>
-          <p:cNvPr id="8" name="内容占位符 2">
-            <a:extLst>
-              <a:ext uri="{FF2B5EF4-FFF2-40B4-BE49-F238E27FC236}">
-                <a16:creationId xmlns:a16="http://schemas.microsoft.com/office/drawing/2014/main" id="{8C8F5E41-F267-4290-8D38-FB3E563B0B08}"/>
+                <a16:creationId xmlns:a16="http://schemas.microsoft.com/office/drawing/2014/main" id="{98B0BE95-3FC5-4175-9048-2079D4756374}"/>
               </a:ext>
             </a:extLst>
           </p:cNvPr>
@@ -5618,8 +5582,8 @@
         </p:nvSpPr>
         <p:spPr>
           <a:xfrm>
-            <a:off x="7997244" y="3238150"/>
-            <a:ext cx="1963724" cy="645953"/>
+            <a:off x="1265481" y="1633384"/>
+            <a:ext cx="3749159" cy="3005728"/>
           </a:xfrm>
           <a:prstGeom prst="rect">
             <a:avLst/>
@@ -5795,12 +5759,44 @@
           </a:lstStyle>
           <a:p>
             <a:pPr marL="0" indent="0">
+              <a:buFont typeface="Arial" panose="020B0604020202020204" pitchFamily="34" charset="0"/>
               <a:buNone/>
             </a:pPr>
             <a:r>
+              <a:rPr lang="en-US" altLang="zh-CN" dirty="0"/>
+              <a:t>Activity/</a:t>
+            </a:r>
+            <a:r>
               <a:rPr lang="zh-CN" altLang="en-US" dirty="0"/>
-              <a:t>约束布局</a:t>
-            </a:r>
+              <a:t>活动</a:t>
+            </a:r>
+            <a:endParaRPr lang="en-US" altLang="zh-CN" dirty="0"/>
+          </a:p>
+          <a:p>
+            <a:pPr marL="514350" indent="-514350">
+              <a:buFont typeface="Arial" panose="020B0604020202020204" pitchFamily="34" charset="0"/>
+              <a:buAutoNum type="arabicPeriod"/>
+            </a:pPr>
+            <a:r>
+              <a:rPr lang="en-US" altLang="zh-CN" dirty="0"/>
+              <a:t>APP</a:t>
+            </a:r>
+            <a:r>
+              <a:rPr lang="zh-CN" altLang="en-US" dirty="0"/>
+              <a:t>一个可见屏幕</a:t>
+            </a:r>
+            <a:endParaRPr lang="en-US" altLang="zh-CN" dirty="0"/>
+          </a:p>
+          <a:p>
+            <a:pPr marL="514350" indent="-514350">
+              <a:buFont typeface="Arial" panose="020B0604020202020204" pitchFamily="34" charset="0"/>
+              <a:buAutoNum type="arabicPeriod"/>
+            </a:pPr>
+            <a:r>
+              <a:rPr lang="zh-CN" altLang="en-US" dirty="0"/>
+              <a:t>与用户交互的接口</a:t>
+            </a:r>
+            <a:endParaRPr lang="en-US" altLang="zh-CN" dirty="0"/>
           </a:p>
         </p:txBody>
       </p:sp>
@@ -7721,222 +7717,6 @@
           </a:ln>
         </p:spPr>
       </p:pic>
-      <p:sp>
-        <p:nvSpPr>
-          <p:cNvPr id="16" name="右大括号 15">
-            <a:extLst>
-              <a:ext uri="{FF2B5EF4-FFF2-40B4-BE49-F238E27FC236}">
-                <a16:creationId xmlns:a16="http://schemas.microsoft.com/office/drawing/2014/main" id="{C5567B6D-2648-41DD-9751-3C8F906228D8}"/>
-              </a:ext>
-            </a:extLst>
-          </p:cNvPr>
-          <p:cNvSpPr/>
-          <p:nvPr/>
-        </p:nvSpPr>
-        <p:spPr>
-          <a:xfrm>
-            <a:off x="5172955" y="1635853"/>
-            <a:ext cx="120498" cy="469784"/>
-          </a:xfrm>
-          <a:prstGeom prst="rightBrace">
-            <a:avLst/>
-          </a:prstGeom>
-          <a:ln w="28575"/>
-        </p:spPr>
-        <p:style>
-          <a:lnRef idx="1">
-            <a:schemeClr val="dk1"/>
-          </a:lnRef>
-          <a:fillRef idx="0">
-            <a:schemeClr val="dk1"/>
-          </a:fillRef>
-          <a:effectRef idx="0">
-            <a:schemeClr val="dk1"/>
-          </a:effectRef>
-          <a:fontRef idx="minor">
-            <a:schemeClr val="tx1"/>
-          </a:fontRef>
-        </p:style>
-        <p:txBody>
-          <a:bodyPr rtlCol="0" anchor="ctr"/>
-          <a:lstStyle/>
-          <a:p>
-            <a:pPr algn="ctr"/>
-            <a:endParaRPr lang="zh-CN" altLang="en-US">
-              <a:ln w="0"/>
-              <a:effectLst>
-                <a:outerShdw blurRad="38100" dist="19050" dir="2700000" algn="tl" rotWithShape="0">
-                  <a:schemeClr val="dk1">
-                    <a:alpha val="40000"/>
-                  </a:schemeClr>
-                </a:outerShdw>
-              </a:effectLst>
-            </a:endParaRPr>
-          </a:p>
-        </p:txBody>
-      </p:sp>
-      <p:sp>
-        <p:nvSpPr>
-          <p:cNvPr id="18" name="右大括号 17">
-            <a:extLst>
-              <a:ext uri="{FF2B5EF4-FFF2-40B4-BE49-F238E27FC236}">
-                <a16:creationId xmlns:a16="http://schemas.microsoft.com/office/drawing/2014/main" id="{090AE4E1-C7DA-4DF5-9BDB-2F0592D58EE5}"/>
-              </a:ext>
-            </a:extLst>
-          </p:cNvPr>
-          <p:cNvSpPr/>
-          <p:nvPr/>
-        </p:nvSpPr>
-        <p:spPr>
-          <a:xfrm>
-            <a:off x="5172955" y="2172749"/>
-            <a:ext cx="112109" cy="705444"/>
-          </a:xfrm>
-          <a:prstGeom prst="rightBrace">
-            <a:avLst/>
-          </a:prstGeom>
-          <a:ln w="28575"/>
-        </p:spPr>
-        <p:style>
-          <a:lnRef idx="1">
-            <a:schemeClr val="dk1"/>
-          </a:lnRef>
-          <a:fillRef idx="0">
-            <a:schemeClr val="dk1"/>
-          </a:fillRef>
-          <a:effectRef idx="0">
-            <a:schemeClr val="dk1"/>
-          </a:effectRef>
-          <a:fontRef idx="minor">
-            <a:schemeClr val="tx1"/>
-          </a:fontRef>
-        </p:style>
-        <p:txBody>
-          <a:bodyPr rtlCol="0" anchor="ctr"/>
-          <a:lstStyle/>
-          <a:p>
-            <a:pPr algn="ctr"/>
-            <a:endParaRPr lang="zh-CN" altLang="en-US">
-              <a:ln w="0"/>
-              <a:effectLst>
-                <a:outerShdw blurRad="38100" dist="19050" dir="2700000" algn="tl" rotWithShape="0">
-                  <a:schemeClr val="dk1">
-                    <a:alpha val="40000"/>
-                  </a:schemeClr>
-                </a:outerShdw>
-              </a:effectLst>
-            </a:endParaRPr>
-          </a:p>
-        </p:txBody>
-      </p:sp>
-      <p:sp>
-        <p:nvSpPr>
-          <p:cNvPr id="20" name="右大括号 19">
-            <a:extLst>
-              <a:ext uri="{FF2B5EF4-FFF2-40B4-BE49-F238E27FC236}">
-                <a16:creationId xmlns:a16="http://schemas.microsoft.com/office/drawing/2014/main" id="{F59B1E85-70E5-4613-9696-15F861F0311E}"/>
-              </a:ext>
-            </a:extLst>
-          </p:cNvPr>
-          <p:cNvSpPr/>
-          <p:nvPr/>
-        </p:nvSpPr>
-        <p:spPr>
-          <a:xfrm>
-            <a:off x="5194690" y="3061097"/>
-            <a:ext cx="98763" cy="918711"/>
-          </a:xfrm>
-          <a:prstGeom prst="rightBrace">
-            <a:avLst/>
-          </a:prstGeom>
-          <a:ln w="28575"/>
-        </p:spPr>
-        <p:style>
-          <a:lnRef idx="1">
-            <a:schemeClr val="dk1"/>
-          </a:lnRef>
-          <a:fillRef idx="0">
-            <a:schemeClr val="dk1"/>
-          </a:fillRef>
-          <a:effectRef idx="0">
-            <a:schemeClr val="dk1"/>
-          </a:effectRef>
-          <a:fontRef idx="minor">
-            <a:schemeClr val="tx1"/>
-          </a:fontRef>
-        </p:style>
-        <p:txBody>
-          <a:bodyPr rtlCol="0" anchor="ctr"/>
-          <a:lstStyle/>
-          <a:p>
-            <a:pPr algn="ctr"/>
-            <a:endParaRPr lang="zh-CN" altLang="en-US">
-              <a:ln w="0"/>
-              <a:effectLst>
-                <a:outerShdw blurRad="38100" dist="19050" dir="2700000" algn="tl" rotWithShape="0">
-                  <a:schemeClr val="dk1">
-                    <a:alpha val="40000"/>
-                  </a:schemeClr>
-                </a:outerShdw>
-              </a:effectLst>
-            </a:endParaRPr>
-          </a:p>
-        </p:txBody>
-      </p:sp>
-      <p:sp>
-        <p:nvSpPr>
-          <p:cNvPr id="21" name="右大括号 20">
-            <a:extLst>
-              <a:ext uri="{FF2B5EF4-FFF2-40B4-BE49-F238E27FC236}">
-                <a16:creationId xmlns:a16="http://schemas.microsoft.com/office/drawing/2014/main" id="{643CFC98-3DC0-4FC8-9371-A210EF04F15C}"/>
-              </a:ext>
-            </a:extLst>
-          </p:cNvPr>
-          <p:cNvSpPr/>
-          <p:nvPr/>
-        </p:nvSpPr>
-        <p:spPr>
-          <a:xfrm>
-            <a:off x="5189732" y="4502791"/>
-            <a:ext cx="112109" cy="1570838"/>
-          </a:xfrm>
-          <a:prstGeom prst="rightBrace">
-            <a:avLst/>
-          </a:prstGeom>
-          <a:ln w="28575"/>
-        </p:spPr>
-        <p:style>
-          <a:lnRef idx="1">
-            <a:schemeClr val="dk1"/>
-          </a:lnRef>
-          <a:fillRef idx="0">
-            <a:schemeClr val="dk1"/>
-          </a:fillRef>
-          <a:effectRef idx="0">
-            <a:schemeClr val="dk1"/>
-          </a:effectRef>
-          <a:fontRef idx="minor">
-            <a:schemeClr val="tx1"/>
-          </a:fontRef>
-        </p:style>
-        <p:txBody>
-          <a:bodyPr rtlCol="0" anchor="ctr"/>
-          <a:lstStyle/>
-          <a:p>
-            <a:pPr algn="ctr"/>
-            <a:endParaRPr lang="zh-CN" altLang="en-US">
-              <a:ln w="0"/>
-              <a:effectLst>
-                <a:outerShdw blurRad="38100" dist="19050" dir="2700000" algn="tl" rotWithShape="0">
-                  <a:schemeClr val="dk1">
-                    <a:alpha val="40000"/>
-                  </a:schemeClr>
-                </a:outerShdw>
-              </a:effectLst>
-            </a:endParaRPr>
-          </a:p>
-        </p:txBody>
-      </p:sp>
     </p:spTree>
   </p:cSld>
   <p:clrMapOvr>
@@ -8209,7 +7989,7 @@
         </p:nvSpPr>
         <p:spPr>
           <a:xfrm>
-            <a:off x="5981008" y="6128387"/>
+            <a:off x="5981008" y="5634302"/>
             <a:ext cx="5627406" cy="461665"/>
           </a:xfrm>
           <a:prstGeom prst="rect">
@@ -8234,6 +8014,15 @@
               <a:t>AbsoluteLayout</a:t>
             </a:r>
             <a:r>
+              <a:rPr lang="en-US" altLang="zh-CN" sz="2400" dirty="0">
+                <a:solidFill>
+                  <a:srgbClr val="FF0000"/>
+                </a:solidFill>
+                <a:latin typeface="Helvetica Neue"/>
+              </a:rPr>
+              <a:t>(</a:t>
+            </a:r>
+            <a:r>
               <a:rPr lang="zh-CN" altLang="en-US" sz="2400" b="0" i="0" dirty="0">
                 <a:solidFill>
                   <a:srgbClr val="FF0000"/>
@@ -8241,7 +8030,7 @@
                 <a:effectLst/>
                 <a:latin typeface="Helvetica Neue"/>
               </a:rPr>
-              <a:t>（绝对布局）</a:t>
+              <a:t>绝对布局</a:t>
             </a:r>
             <a:r>
               <a:rPr lang="en-US" altLang="zh-CN" sz="2400" b="0" i="0" dirty="0">
@@ -8251,7 +8040,7 @@
                 <a:effectLst/>
                 <a:latin typeface="Helvetica Neue"/>
               </a:rPr>
-              <a:t>【</a:t>
+              <a:t>)【</a:t>
             </a:r>
             <a:r>
               <a:rPr lang="zh-CN" altLang="en-US" sz="2400" b="0" i="0" dirty="0">
@@ -8261,7 +8050,7 @@
                 <a:effectLst/>
                 <a:latin typeface="Helvetica Neue"/>
               </a:rPr>
-              <a:t>不建议</a:t>
+              <a:t>绝对不建议</a:t>
             </a:r>
             <a:r>
               <a:rPr lang="en-US" altLang="zh-CN" sz="2400" b="0" i="0" dirty="0">
@@ -8290,8 +8079,8 @@
         </p:nvSpPr>
         <p:spPr>
           <a:xfrm>
-            <a:off x="5981008" y="5666722"/>
-            <a:ext cx="3884063" cy="461665"/>
+            <a:off x="5981008" y="5172637"/>
+            <a:ext cx="5864247" cy="461665"/>
           </a:xfrm>
           <a:prstGeom prst="rect">
             <a:avLst/>
@@ -8317,16 +8106,74 @@
               <a:t>RelativeLayout</a:t>
             </a:r>
             <a:r>
-              <a:rPr lang="zh-CN" altLang="en-US" sz="2400" b="1" i="0" dirty="0">
+              <a:rPr lang="en-US" altLang="zh-CN" sz="2400" b="1" dirty="0">
                 <a:solidFill>
                   <a:schemeClr val="accent2">
                     <a:lumMod val="75000"/>
                   </a:schemeClr>
                 </a:solidFill>
-                <a:effectLst/>
                 <a:latin typeface="Helvetica Neue"/>
               </a:rPr>
-              <a:t>（相对布局）</a:t>
+              <a:t>(</a:t>
+            </a:r>
+            <a:r>
+              <a:rPr lang="zh-CN" altLang="en-US" sz="2400" b="1" i="0" dirty="0">
+                <a:solidFill>
+                  <a:schemeClr val="accent2">
+                    <a:lumMod val="75000"/>
+                  </a:schemeClr>
+                </a:solidFill>
+                <a:effectLst/>
+                <a:latin typeface="Helvetica Neue"/>
+              </a:rPr>
+              <a:t>相对布局</a:t>
+            </a:r>
+            <a:r>
+              <a:rPr lang="en-US" altLang="zh-CN" sz="2400" b="1" dirty="0">
+                <a:solidFill>
+                  <a:schemeClr val="accent2">
+                    <a:lumMod val="75000"/>
+                  </a:schemeClr>
+                </a:solidFill>
+                <a:latin typeface="Helvetica Neue"/>
+              </a:rPr>
+              <a:t>)</a:t>
+            </a:r>
+            <a:r>
+              <a:rPr lang="en-US" altLang="zh-CN" sz="2400" b="1" i="0" dirty="0">
+                <a:solidFill>
+                  <a:schemeClr val="accent2">
+                    <a:lumMod val="75000"/>
+                  </a:schemeClr>
+                </a:solidFill>
+                <a:effectLst/>
+                <a:latin typeface="Helvetica Neue"/>
+              </a:rPr>
+              <a:t>【</a:t>
+            </a:r>
+            <a:r>
+              <a:rPr lang="zh-CN" altLang="en-US" sz="2400" b="1" i="0" dirty="0">
+                <a:solidFill>
+                  <a:schemeClr val="accent2">
+                    <a:lumMod val="75000"/>
+                  </a:schemeClr>
+                </a:solidFill>
+                <a:effectLst/>
+                <a:latin typeface="Helvetica Neue"/>
+              </a:rPr>
+              <a:t>不建议</a:t>
+            </a:r>
+            <a:r>
+              <a:rPr lang="en-US" altLang="zh-CN" sz="2400" b="1" i="0" dirty="0">
+                <a:solidFill>
+                  <a:schemeClr val="accent2">
+                    <a:lumMod val="75000"/>
+                  </a:schemeClr>
+                </a:solidFill>
+                <a:effectLst/>
+                <a:latin typeface="Helvetica Neue"/>
+              </a:rPr>
+              <a:t>】</a:t>
             </a:r>
             <a:endParaRPr lang="en-US" altLang="zh-CN" sz="2400" b="1" dirty="0">
               <a:solidFill>
@@ -8443,6 +8290,93 @@
                 <a:srgbClr val="7030A0"/>
               </a:solidFill>
             </a:endParaRPr>
+          </a:p>
+        </p:txBody>
+      </p:sp>
+      <p:sp>
+        <p:nvSpPr>
+          <p:cNvPr id="3" name="右大括号 2">
+            <a:extLst>
+              <a:ext uri="{FF2B5EF4-FFF2-40B4-BE49-F238E27FC236}">
+                <a16:creationId xmlns:a16="http://schemas.microsoft.com/office/drawing/2014/main" id="{7DBC38D1-FF37-41A8-9F6D-1546ADB3F870}"/>
+              </a:ext>
+            </a:extLst>
+          </p:cNvPr>
+          <p:cNvSpPr/>
+          <p:nvPr/>
+        </p:nvSpPr>
+        <p:spPr>
+          <a:xfrm>
+            <a:off x="8028264" y="3145872"/>
+            <a:ext cx="151002" cy="545284"/>
+          </a:xfrm>
+          <a:prstGeom prst="rightBrace">
+            <a:avLst/>
+          </a:prstGeom>
+          <a:ln w="38100"/>
+        </p:spPr>
+        <p:style>
+          <a:lnRef idx="1">
+            <a:schemeClr val="dk1"/>
+          </a:lnRef>
+          <a:fillRef idx="0">
+            <a:schemeClr val="dk1"/>
+          </a:fillRef>
+          <a:effectRef idx="0">
+            <a:schemeClr val="dk1"/>
+          </a:effectRef>
+          <a:fontRef idx="minor">
+            <a:schemeClr val="tx1"/>
+          </a:fontRef>
+        </p:style>
+        <p:txBody>
+          <a:bodyPr rtlCol="0" anchor="ctr"/>
+          <a:lstStyle/>
+          <a:p>
+            <a:pPr algn="ctr"/>
+            <a:endParaRPr lang="zh-CN" altLang="en-US"/>
+          </a:p>
+        </p:txBody>
+      </p:sp>
+      <p:sp>
+        <p:nvSpPr>
+          <p:cNvPr id="13" name="文本框 12">
+            <a:extLst>
+              <a:ext uri="{FF2B5EF4-FFF2-40B4-BE49-F238E27FC236}">
+                <a16:creationId xmlns:a16="http://schemas.microsoft.com/office/drawing/2014/main" id="{C4B4989B-A74E-4145-AFE5-1D93C004B449}"/>
+              </a:ext>
+            </a:extLst>
+          </p:cNvPr>
+          <p:cNvSpPr txBox="1"/>
+          <p:nvPr/>
+        </p:nvSpPr>
+        <p:spPr>
+          <a:xfrm>
+            <a:off x="8457054" y="3233848"/>
+            <a:ext cx="1156730" cy="369332"/>
+          </a:xfrm>
+          <a:prstGeom prst="rect">
+            <a:avLst/>
+          </a:prstGeom>
+          <a:noFill/>
+        </p:spPr>
+        <p:txBody>
+          <a:bodyPr wrap="square">
+            <a:spAutoFit/>
+          </a:bodyPr>
+          <a:lstStyle/>
+          <a:p>
+            <a:r>
+              <a:rPr lang="zh-CN" altLang="en-US" sz="1800" b="0" i="0" dirty="0">
+                <a:solidFill>
+                  <a:srgbClr val="444444"/>
+                </a:solidFill>
+                <a:effectLst/>
+                <a:latin typeface="Helvetica Neue"/>
+              </a:rPr>
+              <a:t>线性布局</a:t>
+            </a:r>
+            <a:endParaRPr lang="zh-CN" altLang="en-US" dirty="0"/>
           </a:p>
         </p:txBody>
       </p:sp>
@@ -8570,7 +8504,7 @@
           <a:p>
             <a:r>
               <a:rPr lang="zh-CN" altLang="en-US" dirty="0"/>
-              <a:t>只能通过</a:t>
+              <a:t>通过</a:t>
             </a:r>
             <a:r>
               <a:rPr lang="en-US" altLang="zh-CN" b="1" dirty="0" err="1">
@@ -8846,26 +8780,36 @@
         <p:spPr>
           <a:xfrm>
             <a:off x="401973" y="968213"/>
-            <a:ext cx="6048375" cy="978033"/>
+            <a:ext cx="2957445" cy="978033"/>
           </a:xfrm>
         </p:spPr>
         <p:txBody>
           <a:bodyPr>
-            <a:normAutofit lnSpcReduction="10000"/>
+            <a:normAutofit fontScale="85000" lnSpcReduction="20000"/>
           </a:bodyPr>
           <a:lstStyle/>
           <a:p>
             <a:r>
               <a:rPr lang="zh-CN" altLang="en-US" dirty="0"/>
-              <a:t>配置参数简单：纵横、权重</a:t>
+              <a:t>配置参数简单</a:t>
             </a:r>
             <a:endParaRPr lang="en-US" altLang="zh-CN" dirty="0"/>
           </a:p>
           <a:p>
+            <a:pPr lvl="1"/>
             <a:r>
               <a:rPr lang="zh-CN" altLang="en-US" dirty="0"/>
-              <a:t>复杂效果实现困难</a:t>
-            </a:r>
+              <a:t>纵横</a:t>
+            </a:r>
+            <a:endParaRPr lang="en-US" altLang="zh-CN" dirty="0"/>
+          </a:p>
+          <a:p>
+            <a:pPr lvl="1"/>
+            <a:r>
+              <a:rPr lang="zh-CN" altLang="en-US" dirty="0"/>
+              <a:t>权重</a:t>
+            </a:r>
+            <a:endParaRPr lang="en-US" altLang="zh-CN" dirty="0"/>
           </a:p>
         </p:txBody>
       </p:sp>
@@ -8897,6 +8841,11 @@
           <a:prstGeom prst="rect">
             <a:avLst/>
           </a:prstGeom>
+          <a:ln w="12700">
+            <a:solidFill>
+              <a:schemeClr val="tx1"/>
+            </a:solidFill>
+          </a:ln>
         </p:spPr>
       </p:pic>
       <p:pic>
@@ -8921,12 +8870,17 @@
         </p:blipFill>
         <p:spPr>
           <a:xfrm>
-            <a:off x="4086688" y="2059076"/>
+            <a:off x="3893741" y="2059076"/>
             <a:ext cx="2644647" cy="4704549"/>
           </a:xfrm>
           <a:prstGeom prst="rect">
             <a:avLst/>
           </a:prstGeom>
+          <a:ln w="12700">
+            <a:solidFill>
+              <a:schemeClr val="tx1"/>
+            </a:solidFill>
+          </a:ln>
         </p:spPr>
       </p:pic>
       <p:pic>
@@ -8951,12 +8905,17 @@
         </p:blipFill>
         <p:spPr>
           <a:xfrm>
-            <a:off x="8395299" y="968213"/>
-            <a:ext cx="3276017" cy="5795412"/>
+            <a:off x="7877263" y="1531782"/>
+            <a:ext cx="2957444" cy="5231843"/>
           </a:xfrm>
           <a:prstGeom prst="rect">
             <a:avLst/>
           </a:prstGeom>
+          <a:ln w="12700">
+            <a:solidFill>
+              <a:schemeClr val="tx1"/>
+            </a:solidFill>
+          </a:ln>
         </p:spPr>
       </p:pic>
     </p:spTree>
